--- a/CapstoneProject_Cardiovascular RP.pptx
+++ b/CapstoneProject_Cardiovascular RP.pptx
@@ -5,7 +5,7 @@
     <p:sldMasterId id="2147483648" r:id="rId1"/>
   </p:sldMasterIdLst>
   <p:notesMasterIdLst>
-    <p:notesMasterId r:id="rId31"/>
+    <p:notesMasterId r:id="rId32"/>
   </p:notesMasterIdLst>
   <p:sldIdLst>
     <p:sldId id="256" r:id="rId2"/>
@@ -36,38 +36,39 @@
     <p:sldId id="340" r:id="rId27"/>
     <p:sldId id="341" r:id="rId28"/>
     <p:sldId id="342" r:id="rId29"/>
-    <p:sldId id="337" r:id="rId30"/>
+    <p:sldId id="343" r:id="rId30"/>
+    <p:sldId id="337" r:id="rId31"/>
   </p:sldIdLst>
   <p:sldSz cx="9144000" cy="5143500" type="screen16x9"/>
   <p:notesSz cx="6858000" cy="9144000"/>
   <p:embeddedFontLst>
     <p:embeddedFont>
       <p:font typeface="Bahnschrift Condensed" panose="020B0502040204020203" pitchFamily="34" charset="0"/>
-      <p:regular r:id="rId32"/>
-      <p:bold r:id="rId33"/>
+      <p:regular r:id="rId33"/>
+      <p:bold r:id="rId34"/>
     </p:embeddedFont>
     <p:embeddedFont>
       <p:font typeface="Bahnschrift Light" panose="020B0502040204020203" pitchFamily="34" charset="0"/>
-      <p:regular r:id="rId34"/>
+      <p:regular r:id="rId35"/>
     </p:embeddedFont>
     <p:embeddedFont>
       <p:font typeface="Bahnschrift SemiBold" panose="020B0502040204020203" pitchFamily="34" charset="0"/>
-      <p:bold r:id="rId35"/>
+      <p:bold r:id="rId36"/>
     </p:embeddedFont>
     <p:embeddedFont>
       <p:font typeface="Copperplate Gothic Bold" panose="020E0705020206020404" pitchFamily="34" charset="0"/>
-      <p:regular r:id="rId36"/>
+      <p:regular r:id="rId37"/>
     </p:embeddedFont>
     <p:embeddedFont>
       <p:font typeface="Mongolian Baiti" panose="03000500000000000000" pitchFamily="66" charset="0"/>
-      <p:regular r:id="rId37"/>
+      <p:regular r:id="rId38"/>
     </p:embeddedFont>
     <p:embeddedFont>
       <p:font typeface="Montserrat" panose="020B0604020202020204" charset="0"/>
-      <p:regular r:id="rId38"/>
-      <p:bold r:id="rId39"/>
-      <p:italic r:id="rId40"/>
-      <p:boldItalic r:id="rId41"/>
+      <p:regular r:id="rId39"/>
+      <p:bold r:id="rId40"/>
+      <p:italic r:id="rId41"/>
+      <p:boldItalic r:id="rId42"/>
     </p:embeddedFont>
   </p:embeddedFontLst>
   <p:defaultTextStyle>
@@ -9081,7 +9082,19 @@
               <a:rPr lang="en-US" sz="2800" dirty="0">
                 <a:latin typeface="Copperplate Gothic Bold" panose="020E0705020206020404" pitchFamily="34" charset="0"/>
               </a:rPr>
-              <a:t>Is heart rate is responsible for chd ?</a:t>
+              <a:t>Can Heart rate possibly define the risk of </a:t>
+            </a:r>
+            <a:r>
+              <a:rPr lang="en-US" sz="2800" dirty="0" err="1">
+                <a:latin typeface="Copperplate Gothic Bold" panose="020E0705020206020404" pitchFamily="34" charset="0"/>
+              </a:rPr>
+              <a:t>chd</a:t>
+            </a:r>
+            <a:r>
+              <a:rPr lang="en-US" sz="2800" dirty="0">
+                <a:latin typeface="Copperplate Gothic Bold" panose="020E0705020206020404" pitchFamily="34" charset="0"/>
+              </a:rPr>
+              <a:t> ?</a:t>
             </a:r>
           </a:p>
         </p:txBody>
@@ -9159,7 +9172,19 @@
               <a:rPr lang="en-US" sz="2800" dirty="0">
                 <a:latin typeface="Copperplate Gothic Bold" panose="020E0705020206020404" pitchFamily="34" charset="0"/>
               </a:rPr>
-              <a:t>How much Smoking affect chd ?</a:t>
+              <a:t>Can smoking number of cigarettes per day lead to </a:t>
+            </a:r>
+            <a:r>
+              <a:rPr lang="en-US" sz="2800" dirty="0" err="1">
+                <a:latin typeface="Copperplate Gothic Bold" panose="020E0705020206020404" pitchFamily="34" charset="0"/>
+              </a:rPr>
+              <a:t>chd</a:t>
+            </a:r>
+            <a:r>
+              <a:rPr lang="en-US" sz="2800" dirty="0">
+                <a:latin typeface="Copperplate Gothic Bold" panose="020E0705020206020404" pitchFamily="34" charset="0"/>
+              </a:rPr>
+              <a:t>?</a:t>
             </a:r>
           </a:p>
         </p:txBody>
@@ -9180,8 +9205,8 @@
         </p:blipFill>
         <p:spPr>
           <a:xfrm>
-            <a:off x="311700" y="782782"/>
-            <a:ext cx="8520600" cy="4360718"/>
+            <a:off x="311700" y="857246"/>
+            <a:ext cx="8375100" cy="4286253"/>
           </a:xfrm>
           <a:prstGeom prst="rect">
             <a:avLst/>
@@ -9237,7 +9262,7 @@
               <a:rPr lang="en-US" sz="2800" dirty="0">
                 <a:latin typeface="Copperplate Gothic Bold" panose="020E0705020206020404" pitchFamily="34" charset="0"/>
               </a:rPr>
-              <a:t>Who had a stroke earlier more prone to chd ?</a:t>
+              <a:t>One who had a stroke earlier more prone to chd ?</a:t>
             </a:r>
           </a:p>
         </p:txBody>
@@ -9683,7 +9708,19 @@
               <a:rPr lang="en-US" sz="2800" dirty="0">
                 <a:latin typeface="Copperplate Gothic Bold" panose="020E0705020206020404" pitchFamily="34" charset="0"/>
               </a:rPr>
-              <a:t>patients bmi is important to show the risk of chd ?</a:t>
+              <a:t>is patients </a:t>
+            </a:r>
+            <a:r>
+              <a:rPr lang="en-US" sz="2800" dirty="0" err="1">
+                <a:latin typeface="Copperplate Gothic Bold" panose="020E0705020206020404" pitchFamily="34" charset="0"/>
+              </a:rPr>
+              <a:t>bmi</a:t>
+            </a:r>
+            <a:r>
+              <a:rPr lang="en-US" sz="2800" dirty="0">
+                <a:latin typeface="Copperplate Gothic Bold" panose="020E0705020206020404" pitchFamily="34" charset="0"/>
+              </a:rPr>
+              <a:t> important to show the risk of chd ?</a:t>
             </a:r>
           </a:p>
         </p:txBody>
@@ -10007,7 +10044,7 @@
           <p:nvPr>
             <p:extLst>
               <p:ext uri="{D42A27DB-BD31-4B8C-83A1-F6EECF244321}">
-                <p14:modId xmlns:p14="http://schemas.microsoft.com/office/powerpoint/2010/main" val="3779513891"/>
+                <p14:modId xmlns:p14="http://schemas.microsoft.com/office/powerpoint/2010/main" val="3413881695"/>
               </p:ext>
             </p:extLst>
           </p:nvPr>
@@ -10062,7 +10099,7 @@
                         <a:buNone/>
                       </a:pPr>
                       <a:r>
-                        <a:rPr lang="en-IN" altLang="en-US"/>
+                        <a:rPr lang="en-IN" altLang="en-US" dirty="0"/>
                         <a:t>Sr.no</a:t>
                       </a:r>
                     </a:p>
@@ -10078,7 +10115,7 @@
                         <a:buNone/>
                       </a:pPr>
                       <a:r>
-                        <a:rPr lang="en-IN" altLang="en-US"/>
+                        <a:rPr lang="en-IN" altLang="en-US" dirty="0"/>
                         <a:t>ML Model</a:t>
                       </a:r>
                     </a:p>
@@ -10094,7 +10131,7 @@
                         <a:buNone/>
                       </a:pPr>
                       <a:r>
-                        <a:rPr lang="en-IN" altLang="en-US"/>
+                        <a:rPr lang="en-IN" altLang="en-US" dirty="0"/>
                         <a:t>Test Accuracy Score</a:t>
                       </a:r>
                     </a:p>
@@ -10110,7 +10147,7 @@
                         <a:buNone/>
                       </a:pPr>
                       <a:r>
-                        <a:rPr lang="en-IN" altLang="en-US"/>
+                        <a:rPr lang="en-IN" altLang="en-US" dirty="0"/>
                         <a:t>Train Accuracy Score</a:t>
                       </a:r>
                     </a:p>
@@ -10239,7 +10276,7 @@
                         <a:buNone/>
                       </a:pPr>
                       <a:r>
-                        <a:rPr lang="en-IN" altLang="en-US"/>
+                        <a:rPr lang="en-IN" altLang="en-US" dirty="0"/>
                         <a:t>84</a:t>
                       </a:r>
                     </a:p>
@@ -10278,7 +10315,7 @@
                         <a:buNone/>
                       </a:pPr>
                       <a:r>
-                        <a:rPr lang="en-IN" altLang="en-US"/>
+                        <a:rPr lang="en-IN" altLang="en-US" dirty="0"/>
                         <a:t>3</a:t>
                       </a:r>
                     </a:p>
@@ -10436,7 +10473,7 @@
                         <a:buNone/>
                       </a:pPr>
                       <a:r>
-                        <a:rPr lang="en-IN" altLang="en-US"/>
+                        <a:rPr lang="en-IN" altLang="en-US" dirty="0"/>
                         <a:t>Random Forest</a:t>
                       </a:r>
                     </a:p>
@@ -11056,7 +11093,13 @@
       </p:grpSpPr>
       <p:sp>
         <p:nvSpPr>
-          <p:cNvPr id="2" name="Title 1"/>
+          <p:cNvPr id="3" name="Title 2">
+            <a:extLst>
+              <a:ext uri="{FF2B5EF4-FFF2-40B4-BE49-F238E27FC236}">
+                <a16:creationId xmlns:a16="http://schemas.microsoft.com/office/drawing/2014/main" id="{675A8B3D-2F04-4D8C-8770-474A6305613D}"/>
+              </a:ext>
+            </a:extLst>
+          </p:cNvPr>
           <p:cNvSpPr>
             <a:spLocks noGrp="1"/>
           </p:cNvSpPr>
@@ -11064,12 +11107,7 @@
             <p:ph type="title"/>
           </p:nvPr>
         </p:nvSpPr>
-        <p:spPr>
-          <a:xfrm>
-            <a:off x="333438" y="197353"/>
-            <a:ext cx="8386436" cy="624949"/>
-          </a:xfrm>
-        </p:spPr>
+        <p:spPr/>
         <p:txBody>
           <a:bodyPr/>
           <a:lstStyle/>
@@ -11086,13 +11124,19 @@
               </a:rPr>
               <a:t>:</a:t>
             </a:r>
-            <a:endParaRPr lang="en-IN" altLang="en-US" dirty="0"/>
+            <a:endParaRPr lang="en-IN" dirty="0"/>
           </a:p>
         </p:txBody>
       </p:sp>
       <p:sp>
         <p:nvSpPr>
-          <p:cNvPr id="3" name="Text Placeholder 2"/>
+          <p:cNvPr id="4" name="Text Placeholder 3">
+            <a:extLst>
+              <a:ext uri="{FF2B5EF4-FFF2-40B4-BE49-F238E27FC236}">
+                <a16:creationId xmlns:a16="http://schemas.microsoft.com/office/drawing/2014/main" id="{3596A927-4C5C-4C6B-BA54-886F7006368B}"/>
+              </a:ext>
+            </a:extLst>
+          </p:cNvPr>
           <p:cNvSpPr>
             <a:spLocks noGrp="1"/>
           </p:cNvSpPr>
@@ -11100,292 +11144,158 @@
             <p:ph type="body" idx="1"/>
           </p:nvPr>
         </p:nvSpPr>
-        <p:spPr>
-          <a:xfrm>
-            <a:off x="90684" y="749940"/>
-            <a:ext cx="8533622" cy="4109228"/>
-          </a:xfrm>
-          <a:noFill/>
-        </p:spPr>
+        <p:spPr/>
         <p:txBody>
           <a:bodyPr/>
           <a:lstStyle/>
           <a:p>
-            <a:pPr algn="just" rtl="0">
-              <a:spcBef>
-                <a:spcPts val="0"/>
-              </a:spcBef>
-              <a:spcAft>
-                <a:spcPts val="0"/>
-              </a:spcAft>
+            <a:pPr marL="114300" indent="0">
+              <a:buNone/>
             </a:pPr>
             <a:r>
-              <a:rPr lang="en-US" sz="2000" b="0" i="0" u="none" strike="noStrike" dirty="0">
-                <a:solidFill>
-                  <a:schemeClr val="accent5">
-                    <a:lumMod val="50000"/>
-                  </a:schemeClr>
-                </a:solidFill>
-                <a:effectLst/>
+              <a:rPr lang="en-US" sz="2000" dirty="0">
+                <a:solidFill>
+                  <a:schemeClr val="bg1"/>
+                </a:solidFill>
                 <a:latin typeface="Bahnschrift Condensed" panose="020B0502040204020203" pitchFamily="34" charset="0"/>
               </a:rPr>
-              <a:t>That's it! We reached here at the end of our exercise.</a:t>
+              <a:t>A cardiovascular disease detection model has been built using no of ML classification modelling techniques</a:t>
             </a:r>
-            <a:endParaRPr lang="en-US" sz="2000" b="0" dirty="0">
-              <a:solidFill>
-                <a:schemeClr val="accent5">
-                  <a:lumMod val="50000"/>
-                </a:schemeClr>
-              </a:solidFill>
-              <a:effectLst/>
-              <a:latin typeface="Bahnschrift Condensed" panose="020B0502040204020203" pitchFamily="34" charset="0"/>
-            </a:endParaRPr>
-          </a:p>
-          <a:p>
-            <a:pPr algn="just" rtl="0">
-              <a:spcBef>
-                <a:spcPts val="0"/>
-              </a:spcBef>
-              <a:spcAft>
-                <a:spcPts val="0"/>
-              </a:spcAft>
-            </a:pPr>
             <a:r>
-              <a:rPr lang="en-US" sz="2000" b="0" i="0" u="none" strike="noStrike" dirty="0">
-                <a:solidFill>
-                  <a:schemeClr val="accent5">
-                    <a:lumMod val="50000"/>
-                  </a:schemeClr>
-                </a:solidFill>
-                <a:effectLst/>
+              <a:rPr lang="en-US" sz="2000">
+                <a:solidFill>
+                  <a:schemeClr val="bg1"/>
+                </a:solidFill>
                 <a:latin typeface="Bahnschrift Condensed" panose="020B0502040204020203" pitchFamily="34" charset="0"/>
               </a:rPr>
-              <a:t>Starting with loading the data so far we have done EDA , null values treatment, encoding of categorical columns, feature selection and then model building.</a:t>
+              <a:t>. </a:t>
             </a:r>
-          </a:p>
-          <a:p>
-            <a:pPr algn="just" rtl="0">
-              <a:spcBef>
-                <a:spcPts val="0"/>
-              </a:spcBef>
-              <a:spcAft>
-                <a:spcPts val="0"/>
-              </a:spcAft>
-            </a:pPr>
-            <a:endParaRPr lang="en-US" sz="2000" b="0" dirty="0">
-              <a:solidFill>
-                <a:schemeClr val="accent5">
-                  <a:lumMod val="50000"/>
-                </a:schemeClr>
-              </a:solidFill>
-              <a:effectLst/>
-              <a:latin typeface="Bahnschrift Condensed" panose="020B0502040204020203" pitchFamily="34" charset="0"/>
-            </a:endParaRPr>
-          </a:p>
-          <a:p>
-            <a:pPr algn="just" rtl="0">
-              <a:spcBef>
-                <a:spcPts val="0"/>
-              </a:spcBef>
-              <a:spcAft>
-                <a:spcPts val="0"/>
-              </a:spcAft>
-            </a:pPr>
-            <a:r>
-              <a:rPr lang="en-US" sz="2000" b="0" i="0" u="none" strike="noStrike" dirty="0">
-                <a:solidFill>
-                  <a:schemeClr val="accent5">
-                    <a:lumMod val="50000"/>
-                  </a:schemeClr>
-                </a:solidFill>
-                <a:effectLst/>
-                <a:latin typeface="Bahnschrift Condensed" panose="020B0502040204020203" pitchFamily="34" charset="0"/>
-              </a:rPr>
-              <a:t>In all of these models our accuracy revolves in the range of 66 to 91%.</a:t>
-            </a:r>
-            <a:endParaRPr lang="en-US" sz="2000" b="0" dirty="0">
-              <a:solidFill>
-                <a:schemeClr val="accent5">
-                  <a:lumMod val="50000"/>
-                </a:schemeClr>
-              </a:solidFill>
-              <a:effectLst/>
-              <a:latin typeface="Bahnschrift Condensed" panose="020B0502040204020203" pitchFamily="34" charset="0"/>
-            </a:endParaRPr>
-          </a:p>
-          <a:p>
-            <a:pPr algn="just" rtl="0">
-              <a:spcBef>
-                <a:spcPts val="0"/>
-              </a:spcBef>
-              <a:spcAft>
-                <a:spcPts val="0"/>
-              </a:spcAft>
-            </a:pPr>
-            <a:r>
-              <a:rPr lang="en-US" sz="2000" b="0" i="0" u="none" strike="noStrike" dirty="0">
-                <a:solidFill>
-                  <a:schemeClr val="accent5">
-                    <a:lumMod val="50000"/>
-                  </a:schemeClr>
-                </a:solidFill>
-                <a:effectLst/>
-                <a:latin typeface="Bahnschrift Condensed" panose="020B0502040204020203" pitchFamily="34" charset="0"/>
-              </a:rPr>
-              <a:t>And there is no such improvement in accuracy score even after hyperparameter tuning.</a:t>
-            </a:r>
-            <a:endParaRPr lang="en-US" sz="2000" b="0" dirty="0">
-              <a:solidFill>
-                <a:schemeClr val="accent5">
-                  <a:lumMod val="50000"/>
-                </a:schemeClr>
-              </a:solidFill>
-              <a:effectLst/>
-              <a:latin typeface="Bahnschrift Condensed" panose="020B0502040204020203" pitchFamily="34" charset="0"/>
-            </a:endParaRPr>
-          </a:p>
-          <a:p>
-            <a:pPr algn="just" rtl="0">
-              <a:spcBef>
-                <a:spcPts val="0"/>
-              </a:spcBef>
-              <a:spcAft>
-                <a:spcPts val="0"/>
-              </a:spcAft>
-            </a:pPr>
-            <a:r>
-              <a:rPr lang="en-US" sz="2000" b="0" i="0" u="none" strike="noStrike" dirty="0">
-                <a:solidFill>
-                  <a:schemeClr val="accent5">
-                    <a:lumMod val="50000"/>
-                  </a:schemeClr>
-                </a:solidFill>
-                <a:effectLst/>
-                <a:latin typeface="Bahnschrift Condensed" panose="020B0502040204020203" pitchFamily="34" charset="0"/>
-              </a:rPr>
-              <a:t>So the accuracy of our best model is 91% which can be said to be good for this large dataset.</a:t>
-            </a:r>
-          </a:p>
-          <a:p>
-            <a:pPr algn="just" rtl="0">
-              <a:spcBef>
-                <a:spcPts val="0"/>
-              </a:spcBef>
-              <a:spcAft>
-                <a:spcPts val="0"/>
-              </a:spcAft>
-            </a:pPr>
             <a:endParaRPr lang="en-US" sz="2000" dirty="0">
               <a:solidFill>
-                <a:schemeClr val="accent5">
-                  <a:lumMod val="50000"/>
-                </a:schemeClr>
+                <a:schemeClr val="bg1"/>
               </a:solidFill>
               <a:latin typeface="Bahnschrift Condensed" panose="020B0502040204020203" pitchFamily="34" charset="0"/>
             </a:endParaRPr>
           </a:p>
           <a:p>
-            <a:pPr algn="just" rtl="0">
-              <a:spcBef>
-                <a:spcPts val="0"/>
-              </a:spcBef>
-              <a:spcAft>
-                <a:spcPts val="0"/>
-              </a:spcAft>
+            <a:pPr marL="114300" indent="0">
+              <a:buNone/>
             </a:pPr>
             <a:r>
-              <a:rPr lang="en-US" sz="2000" b="0" i="0" u="none" strike="noStrike" dirty="0">
-                <a:solidFill>
-                  <a:schemeClr val="accent5">
-                    <a:lumMod val="50000"/>
-                  </a:schemeClr>
-                </a:solidFill>
-                <a:effectLst/>
+              <a:rPr lang="en-US" sz="2000" dirty="0">
+                <a:solidFill>
+                  <a:schemeClr val="bg1"/>
+                </a:solidFill>
                 <a:latin typeface="Bahnschrift Condensed" panose="020B0502040204020203" pitchFamily="34" charset="0"/>
               </a:rPr>
-              <a:t>This performance could be due to various reasons like: no proper pattern of data, too much data, not enough relevant features but maybe with enough data we can train out model even better.</a:t>
+              <a:t>This project once deployed can possibly help predict the patients for cardiovascular disease based to their past medical history Blood pressure, Body mass index, Sugar levels etc.</a:t>
             </a:r>
-            <a:endParaRPr lang="en-US" sz="2000" b="0" dirty="0">
+          </a:p>
+          <a:p>
+            <a:pPr marL="114300" indent="0">
+              <a:buNone/>
+            </a:pPr>
+            <a:r>
+              <a:rPr lang="en-US" sz="2000" dirty="0">
+                <a:solidFill>
+                  <a:schemeClr val="bg1"/>
+                </a:solidFill>
+                <a:latin typeface="Bahnschrift Condensed" panose="020B0502040204020203" pitchFamily="34" charset="0"/>
+              </a:rPr>
+              <a:t>The algorithms used in building the model are Logistic regression, Decision trees, KNN, Random forest classifier, Naive bayes classifier, Gradient boost and </a:t>
+            </a:r>
+            <a:r>
+              <a:rPr lang="en-US" sz="2000" dirty="0" err="1">
+                <a:solidFill>
+                  <a:schemeClr val="bg1"/>
+                </a:solidFill>
+                <a:latin typeface="Bahnschrift Condensed" panose="020B0502040204020203" pitchFamily="34" charset="0"/>
+              </a:rPr>
+              <a:t>XGboost</a:t>
+            </a:r>
+            <a:r>
+              <a:rPr lang="en-US" sz="2000" dirty="0">
+                <a:solidFill>
+                  <a:schemeClr val="bg1"/>
+                </a:solidFill>
+                <a:latin typeface="Bahnschrift Condensed" panose="020B0502040204020203" pitchFamily="34" charset="0"/>
+              </a:rPr>
+              <a:t>.</a:t>
+            </a:r>
+          </a:p>
+          <a:p>
+            <a:pPr marL="114300" indent="0">
+              <a:buNone/>
+            </a:pPr>
+            <a:r>
+              <a:rPr lang="en-US" sz="2000" dirty="0">
+                <a:solidFill>
+                  <a:schemeClr val="bg1"/>
+                </a:solidFill>
+                <a:latin typeface="Bahnschrift Condensed" panose="020B0502040204020203" pitchFamily="34" charset="0"/>
+              </a:rPr>
+              <a:t>The best accuracy we have got is for the </a:t>
+            </a:r>
+            <a:r>
+              <a:rPr lang="en-US" sz="2000" dirty="0" err="1">
+                <a:solidFill>
+                  <a:schemeClr val="bg1"/>
+                </a:solidFill>
+                <a:latin typeface="Bahnschrift Condensed" panose="020B0502040204020203" pitchFamily="34" charset="0"/>
+              </a:rPr>
+              <a:t>XGboost</a:t>
+            </a:r>
+            <a:r>
+              <a:rPr lang="en-US" sz="2000" dirty="0">
+                <a:solidFill>
+                  <a:schemeClr val="bg1"/>
+                </a:solidFill>
+                <a:latin typeface="Bahnschrift Condensed" panose="020B0502040204020203" pitchFamily="34" charset="0"/>
+              </a:rPr>
+              <a:t> model which is 97%.</a:t>
+            </a:r>
+          </a:p>
+          <a:p>
+            <a:pPr marL="114300" indent="0">
+              <a:buNone/>
+            </a:pPr>
+            <a:endParaRPr lang="en-US" sz="2000" dirty="0">
               <a:solidFill>
-                <a:schemeClr val="accent5">
-                  <a:lumMod val="50000"/>
-                </a:schemeClr>
+                <a:schemeClr val="bg1"/>
               </a:solidFill>
-              <a:effectLst/>
               <a:latin typeface="Bahnschrift Condensed" panose="020B0502040204020203" pitchFamily="34" charset="0"/>
             </a:endParaRPr>
           </a:p>
           <a:p>
-            <a:br>
-              <a:rPr lang="en-US" dirty="0"/>
-            </a:br>
-            <a:endParaRPr lang="en-US" dirty="0">
+            <a:pPr marL="114300" indent="0">
+              <a:buNone/>
+            </a:pPr>
+            <a:endParaRPr lang="en-US" sz="2000" dirty="0">
               <a:solidFill>
                 <a:schemeClr val="bg1"/>
               </a:solidFill>
+              <a:latin typeface="Bahnschrift Condensed" panose="020B0502040204020203" pitchFamily="34" charset="0"/>
             </a:endParaRPr>
           </a:p>
           <a:p>
             <a:pPr marL="114300" indent="0">
               <a:buNone/>
             </a:pPr>
-            <a:endParaRPr lang="hi-IN" dirty="0">
+            <a:endParaRPr lang="en-IN" sz="2000" dirty="0">
               <a:solidFill>
                 <a:schemeClr val="bg1"/>
               </a:solidFill>
+              <a:latin typeface="Bahnschrift Condensed" panose="020B0502040204020203" pitchFamily="34" charset="0"/>
             </a:endParaRPr>
           </a:p>
         </p:txBody>
       </p:sp>
-      <p:pic>
-        <p:nvPicPr>
-          <p:cNvPr id="6" name="Picture 5"/>
-          <p:cNvPicPr>
-            <a:picLocks noChangeAspect="1"/>
-          </p:cNvPicPr>
-          <p:nvPr/>
-        </p:nvPicPr>
-        <p:blipFill>
-          <a:blip r:embed="rId2"/>
-          <a:stretch>
-            <a:fillRect/>
-          </a:stretch>
-        </p:blipFill>
-        <p:spPr>
-          <a:xfrm>
-            <a:off x="6317672" y="4299947"/>
-            <a:ext cx="2099160" cy="730789"/>
-          </a:xfrm>
-          <a:prstGeom prst="roundRect">
-            <a:avLst>
-              <a:gd name="adj" fmla="val 16667"/>
-            </a:avLst>
-          </a:prstGeom>
-          <a:ln>
-            <a:noFill/>
-          </a:ln>
-          <a:effectLst>
-            <a:outerShdw blurRad="152400" dist="12000" dir="900000" sy="98000" kx="110000" ky="200000" algn="tl" rotWithShape="0">
-              <a:srgbClr val="000000">
-                <a:alpha val="30000"/>
-              </a:srgbClr>
-            </a:outerShdw>
-          </a:effectLst>
-          <a:scene3d>
-            <a:camera prst="perspectiveRelaxed">
-              <a:rot lat="19800000" lon="1200000" rev="20820000"/>
-            </a:camera>
-            <a:lightRig rig="threePt" dir="t"/>
-          </a:scene3d>
-          <a:sp3d contourW="6350" prstMaterial="matte">
-            <a:bevelT w="101600" h="101600"/>
-            <a:contourClr>
-              <a:srgbClr val="969696"/>
-            </a:contourClr>
-          </a:sp3d>
-        </p:spPr>
-      </p:pic>
     </p:spTree>
+    <p:extLst>
+      <p:ext uri="{BB962C8B-B14F-4D97-AF65-F5344CB8AC3E}">
+        <p14:creationId xmlns:p14="http://schemas.microsoft.com/office/powerpoint/2010/main" val="3793622308"/>
+      </p:ext>
+    </p:extLst>
   </p:cSld>
   <p:clrMapOvr>
     <a:masterClrMapping/>
@@ -11534,6 +11444,362 @@
           <a:xfrm>
             <a:off x="5425944" y="4015771"/>
             <a:ext cx="3294863" cy="900861"/>
+          </a:xfrm>
+          <a:prstGeom prst="roundRect">
+            <a:avLst>
+              <a:gd name="adj" fmla="val 16667"/>
+            </a:avLst>
+          </a:prstGeom>
+          <a:ln>
+            <a:noFill/>
+          </a:ln>
+          <a:effectLst>
+            <a:outerShdw blurRad="152400" dist="12000" dir="900000" sy="98000" kx="110000" ky="200000" algn="tl" rotWithShape="0">
+              <a:srgbClr val="000000">
+                <a:alpha val="30000"/>
+              </a:srgbClr>
+            </a:outerShdw>
+          </a:effectLst>
+          <a:scene3d>
+            <a:camera prst="perspectiveRelaxed">
+              <a:rot lat="19800000" lon="1200000" rev="20820000"/>
+            </a:camera>
+            <a:lightRig rig="threePt" dir="t"/>
+          </a:scene3d>
+          <a:sp3d contourW="6350" prstMaterial="matte">
+            <a:bevelT w="101600" h="101600"/>
+            <a:contourClr>
+              <a:srgbClr val="969696"/>
+            </a:contourClr>
+          </a:sp3d>
+        </p:spPr>
+      </p:pic>
+    </p:spTree>
+  </p:cSld>
+  <p:clrMapOvr>
+    <a:masterClrMapping/>
+  </p:clrMapOvr>
+</p:sld>
+</file>
+
+<file path=ppt/slides/slide30.xml><?xml version="1.0" encoding="utf-8"?>
+<p:sld xmlns:a="http://schemas.openxmlformats.org/drawingml/2006/main" xmlns:r="http://schemas.openxmlformats.org/officeDocument/2006/relationships" xmlns:p="http://schemas.openxmlformats.org/presentationml/2006/main">
+  <p:cSld>
+    <p:spTree>
+      <p:nvGrpSpPr>
+        <p:cNvPr id="1" name=""/>
+        <p:cNvGrpSpPr/>
+        <p:nvPr/>
+      </p:nvGrpSpPr>
+      <p:grpSpPr>
+        <a:xfrm>
+          <a:off x="0" y="0"/>
+          <a:ext cx="0" cy="0"/>
+          <a:chOff x="0" y="0"/>
+          <a:chExt cx="0" cy="0"/>
+        </a:xfrm>
+      </p:grpSpPr>
+      <p:sp>
+        <p:nvSpPr>
+          <p:cNvPr id="2" name="Title 1"/>
+          <p:cNvSpPr>
+            <a:spLocks noGrp="1"/>
+          </p:cNvSpPr>
+          <p:nvPr>
+            <p:ph type="title"/>
+          </p:nvPr>
+        </p:nvSpPr>
+        <p:spPr>
+          <a:xfrm>
+            <a:off x="333438" y="197353"/>
+            <a:ext cx="8386436" cy="624949"/>
+          </a:xfrm>
+        </p:spPr>
+        <p:txBody>
+          <a:bodyPr/>
+          <a:lstStyle/>
+          <a:p>
+            <a:r>
+              <a:rPr lang="en-IN" altLang="en-US" dirty="0">
+                <a:latin typeface="Copperplate Gothic Bold" panose="020E0705020206020404" pitchFamily="34" charset="0"/>
+              </a:rPr>
+              <a:t>Conclusion</a:t>
+            </a:r>
+            <a:r>
+              <a:rPr lang="en-IN" altLang="en-US" dirty="0">
+                <a:latin typeface="Bahnschrift SemiBold" panose="020B0502040204020203" pitchFamily="34" charset="0"/>
+              </a:rPr>
+              <a:t>:</a:t>
+            </a:r>
+            <a:endParaRPr lang="en-IN" altLang="en-US" dirty="0"/>
+          </a:p>
+        </p:txBody>
+      </p:sp>
+      <p:sp>
+        <p:nvSpPr>
+          <p:cNvPr id="3" name="Text Placeholder 2"/>
+          <p:cNvSpPr>
+            <a:spLocks noGrp="1"/>
+          </p:cNvSpPr>
+          <p:nvPr>
+            <p:ph type="body" idx="1"/>
+          </p:nvPr>
+        </p:nvSpPr>
+        <p:spPr>
+          <a:xfrm>
+            <a:off x="90684" y="749940"/>
+            <a:ext cx="8533622" cy="4109228"/>
+          </a:xfrm>
+          <a:noFill/>
+        </p:spPr>
+        <p:txBody>
+          <a:bodyPr/>
+          <a:lstStyle/>
+          <a:p>
+            <a:pPr algn="just" rtl="0">
+              <a:spcBef>
+                <a:spcPts val="0"/>
+              </a:spcBef>
+              <a:spcAft>
+                <a:spcPts val="0"/>
+              </a:spcAft>
+            </a:pPr>
+            <a:r>
+              <a:rPr lang="en-US" sz="2000" b="0" i="0" u="none" strike="noStrike" dirty="0">
+                <a:solidFill>
+                  <a:schemeClr val="accent5">
+                    <a:lumMod val="50000"/>
+                  </a:schemeClr>
+                </a:solidFill>
+                <a:effectLst/>
+                <a:latin typeface="Bahnschrift Condensed" panose="020B0502040204020203" pitchFamily="34" charset="0"/>
+              </a:rPr>
+              <a:t>That's it! We reached here at the end of our exercise.</a:t>
+            </a:r>
+            <a:endParaRPr lang="en-US" sz="2000" b="0" dirty="0">
+              <a:solidFill>
+                <a:schemeClr val="accent5">
+                  <a:lumMod val="50000"/>
+                </a:schemeClr>
+              </a:solidFill>
+              <a:effectLst/>
+              <a:latin typeface="Bahnschrift Condensed" panose="020B0502040204020203" pitchFamily="34" charset="0"/>
+            </a:endParaRPr>
+          </a:p>
+          <a:p>
+            <a:pPr algn="just" rtl="0">
+              <a:spcBef>
+                <a:spcPts val="0"/>
+              </a:spcBef>
+              <a:spcAft>
+                <a:spcPts val="0"/>
+              </a:spcAft>
+            </a:pPr>
+            <a:r>
+              <a:rPr lang="en-US" sz="2000" b="0" i="0" u="none" strike="noStrike" dirty="0">
+                <a:solidFill>
+                  <a:schemeClr val="accent5">
+                    <a:lumMod val="50000"/>
+                  </a:schemeClr>
+                </a:solidFill>
+                <a:effectLst/>
+                <a:latin typeface="Bahnschrift Condensed" panose="020B0502040204020203" pitchFamily="34" charset="0"/>
+              </a:rPr>
+              <a:t>Starting with loading the data so far we have done EDA , null values treatment, encoding of categorical columns, feature selection and then model building.</a:t>
+            </a:r>
+          </a:p>
+          <a:p>
+            <a:pPr algn="just" rtl="0">
+              <a:spcBef>
+                <a:spcPts val="0"/>
+              </a:spcBef>
+              <a:spcAft>
+                <a:spcPts val="0"/>
+              </a:spcAft>
+            </a:pPr>
+            <a:endParaRPr lang="en-US" sz="2000" b="0" dirty="0">
+              <a:solidFill>
+                <a:schemeClr val="accent5">
+                  <a:lumMod val="50000"/>
+                </a:schemeClr>
+              </a:solidFill>
+              <a:effectLst/>
+              <a:latin typeface="Bahnschrift Condensed" panose="020B0502040204020203" pitchFamily="34" charset="0"/>
+            </a:endParaRPr>
+          </a:p>
+          <a:p>
+            <a:pPr algn="just" rtl="0">
+              <a:spcBef>
+                <a:spcPts val="0"/>
+              </a:spcBef>
+              <a:spcAft>
+                <a:spcPts val="0"/>
+              </a:spcAft>
+            </a:pPr>
+            <a:r>
+              <a:rPr lang="en-US" sz="2000" b="0" i="0" u="none" strike="noStrike" dirty="0">
+                <a:solidFill>
+                  <a:schemeClr val="accent5">
+                    <a:lumMod val="50000"/>
+                  </a:schemeClr>
+                </a:solidFill>
+                <a:effectLst/>
+                <a:latin typeface="Bahnschrift Condensed" panose="020B0502040204020203" pitchFamily="34" charset="0"/>
+              </a:rPr>
+              <a:t>In all of these models our accuracy revolves in the range of 66 to 91%.</a:t>
+            </a:r>
+            <a:endParaRPr lang="en-US" sz="2000" b="0" dirty="0">
+              <a:solidFill>
+                <a:schemeClr val="accent5">
+                  <a:lumMod val="50000"/>
+                </a:schemeClr>
+              </a:solidFill>
+              <a:effectLst/>
+              <a:latin typeface="Bahnschrift Condensed" panose="020B0502040204020203" pitchFamily="34" charset="0"/>
+            </a:endParaRPr>
+          </a:p>
+          <a:p>
+            <a:pPr algn="just" rtl="0">
+              <a:spcBef>
+                <a:spcPts val="0"/>
+              </a:spcBef>
+              <a:spcAft>
+                <a:spcPts val="0"/>
+              </a:spcAft>
+            </a:pPr>
+            <a:r>
+              <a:rPr lang="en-US" sz="2000" b="0" i="0" u="none" strike="noStrike" dirty="0">
+                <a:solidFill>
+                  <a:schemeClr val="accent5">
+                    <a:lumMod val="50000"/>
+                  </a:schemeClr>
+                </a:solidFill>
+                <a:effectLst/>
+                <a:latin typeface="Bahnschrift Condensed" panose="020B0502040204020203" pitchFamily="34" charset="0"/>
+              </a:rPr>
+              <a:t>And there is no such improvement in accuracy score even after hyperparameter tuning.</a:t>
+            </a:r>
+            <a:endParaRPr lang="en-US" sz="2000" b="0" dirty="0">
+              <a:solidFill>
+                <a:schemeClr val="accent5">
+                  <a:lumMod val="50000"/>
+                </a:schemeClr>
+              </a:solidFill>
+              <a:effectLst/>
+              <a:latin typeface="Bahnschrift Condensed" panose="020B0502040204020203" pitchFamily="34" charset="0"/>
+            </a:endParaRPr>
+          </a:p>
+          <a:p>
+            <a:pPr algn="just" rtl="0">
+              <a:spcBef>
+                <a:spcPts val="0"/>
+              </a:spcBef>
+              <a:spcAft>
+                <a:spcPts val="0"/>
+              </a:spcAft>
+            </a:pPr>
+            <a:r>
+              <a:rPr lang="en-US" sz="2000" b="0" i="0" u="none" strike="noStrike" dirty="0">
+                <a:solidFill>
+                  <a:schemeClr val="accent5">
+                    <a:lumMod val="50000"/>
+                  </a:schemeClr>
+                </a:solidFill>
+                <a:effectLst/>
+                <a:latin typeface="Bahnschrift Condensed" panose="020B0502040204020203" pitchFamily="34" charset="0"/>
+              </a:rPr>
+              <a:t>So the accuracy of our best model is 91% which can be said to be good for this large dataset.</a:t>
+            </a:r>
+          </a:p>
+          <a:p>
+            <a:pPr algn="just" rtl="0">
+              <a:spcBef>
+                <a:spcPts val="0"/>
+              </a:spcBef>
+              <a:spcAft>
+                <a:spcPts val="0"/>
+              </a:spcAft>
+            </a:pPr>
+            <a:endParaRPr lang="en-US" sz="2000" dirty="0">
+              <a:solidFill>
+                <a:schemeClr val="accent5">
+                  <a:lumMod val="50000"/>
+                </a:schemeClr>
+              </a:solidFill>
+              <a:latin typeface="Bahnschrift Condensed" panose="020B0502040204020203" pitchFamily="34" charset="0"/>
+            </a:endParaRPr>
+          </a:p>
+          <a:p>
+            <a:pPr algn="just" rtl="0">
+              <a:spcBef>
+                <a:spcPts val="0"/>
+              </a:spcBef>
+              <a:spcAft>
+                <a:spcPts val="0"/>
+              </a:spcAft>
+            </a:pPr>
+            <a:r>
+              <a:rPr lang="en-US" sz="2000" b="0" i="0" u="none" strike="noStrike" dirty="0">
+                <a:solidFill>
+                  <a:schemeClr val="accent5">
+                    <a:lumMod val="50000"/>
+                  </a:schemeClr>
+                </a:solidFill>
+                <a:effectLst/>
+                <a:latin typeface="Bahnschrift Condensed" panose="020B0502040204020203" pitchFamily="34" charset="0"/>
+              </a:rPr>
+              <a:t>This performance could be due to various reasons like: no proper pattern of data, too much data, not enough relevant features but maybe with enough data we can train out model even better.</a:t>
+            </a:r>
+            <a:endParaRPr lang="en-US" sz="2000" b="0" dirty="0">
+              <a:solidFill>
+                <a:schemeClr val="accent5">
+                  <a:lumMod val="50000"/>
+                </a:schemeClr>
+              </a:solidFill>
+              <a:effectLst/>
+              <a:latin typeface="Bahnschrift Condensed" panose="020B0502040204020203" pitchFamily="34" charset="0"/>
+            </a:endParaRPr>
+          </a:p>
+          <a:p>
+            <a:br>
+              <a:rPr lang="en-US" dirty="0"/>
+            </a:br>
+            <a:endParaRPr lang="en-US" dirty="0">
+              <a:solidFill>
+                <a:schemeClr val="bg1"/>
+              </a:solidFill>
+            </a:endParaRPr>
+          </a:p>
+          <a:p>
+            <a:pPr marL="114300" indent="0">
+              <a:buNone/>
+            </a:pPr>
+            <a:endParaRPr lang="hi-IN" dirty="0">
+              <a:solidFill>
+                <a:schemeClr val="bg1"/>
+              </a:solidFill>
+            </a:endParaRPr>
+          </a:p>
+        </p:txBody>
+      </p:sp>
+      <p:pic>
+        <p:nvPicPr>
+          <p:cNvPr id="6" name="Picture 5"/>
+          <p:cNvPicPr>
+            <a:picLocks noChangeAspect="1"/>
+          </p:cNvPicPr>
+          <p:nvPr/>
+        </p:nvPicPr>
+        <p:blipFill>
+          <a:blip r:embed="rId2"/>
+          <a:stretch>
+            <a:fillRect/>
+          </a:stretch>
+        </p:blipFill>
+        <p:spPr>
+          <a:xfrm>
+            <a:off x="6317672" y="4299947"/>
+            <a:ext cx="2099160" cy="730789"/>
           </a:xfrm>
           <a:prstGeom prst="roundRect">
             <a:avLst>
@@ -12135,7 +12401,7 @@
               <a:rPr lang="en-US" sz="2800" dirty="0">
                 <a:latin typeface="Copperplate Gothic Bold" panose="020E0705020206020404" pitchFamily="34" charset="0"/>
               </a:rPr>
-              <a:t>Correlation between each features</a:t>
+              <a:t>Correlation between features</a:t>
             </a:r>
           </a:p>
         </p:txBody>

--- a/CapstoneProject_Cardiovascular RP.pptx
+++ b/CapstoneProject_Cardiovascular RP.pptx
@@ -11009,7 +11009,7 @@
         <p:spPr>
           <a:xfrm>
             <a:off x="644685" y="1140589"/>
-            <a:ext cx="8078296" cy="1015663"/>
+            <a:ext cx="8078296" cy="1631216"/>
           </a:xfrm>
           <a:prstGeom prst="rect">
             <a:avLst/>
@@ -11037,6 +11037,14 @@
             </a:r>
           </a:p>
           <a:p>
+            <a:endParaRPr lang="en-US" sz="2000" dirty="0">
+              <a:solidFill>
+                <a:schemeClr val="bg1"/>
+              </a:solidFill>
+              <a:latin typeface="Bahnschrift Condensed" panose="020B0502040204020203" pitchFamily="34" charset="0"/>
+            </a:endParaRPr>
+          </a:p>
+          <a:p>
             <a:pPr marL="342900" indent="-342900">
               <a:buFont typeface="Wingdings" panose="05000000000000000000" pitchFamily="2" charset="2"/>
               <a:buChar char="§"/>
@@ -11048,7 +11056,25 @@
                 </a:solidFill>
                 <a:latin typeface="Bahnschrift Condensed" panose="020B0502040204020203" pitchFamily="34" charset="0"/>
               </a:rPr>
-              <a:t>Missing useful features.</a:t>
+              <a:t>Missing relevant/Important features in our dataset like Chest pain location, chest pain type, Family history of coronary artery, Exercise </a:t>
+            </a:r>
+            <a:r>
+              <a:rPr lang="en-US" sz="2000" dirty="0" err="1">
+                <a:solidFill>
+                  <a:schemeClr val="bg1"/>
+                </a:solidFill>
+                <a:latin typeface="Bahnschrift Condensed" panose="020B0502040204020203" pitchFamily="34" charset="0"/>
+              </a:rPr>
+              <a:t>etc</a:t>
+            </a:r>
+            <a:r>
+              <a:rPr lang="en-US" sz="2000" dirty="0">
+                <a:solidFill>
+                  <a:schemeClr val="bg1"/>
+                </a:solidFill>
+                <a:latin typeface="Bahnschrift Condensed" panose="020B0502040204020203" pitchFamily="34" charset="0"/>
+              </a:rPr>
+              <a:t> .</a:t>
             </a:r>
           </a:p>
           <a:p>
@@ -11159,23 +11185,8 @@
                 </a:solidFill>
                 <a:latin typeface="Bahnschrift Condensed" panose="020B0502040204020203" pitchFamily="34" charset="0"/>
               </a:rPr>
-              <a:t>A cardiovascular disease detection model has been built using no of ML classification modelling techniques</a:t>
+              <a:t>A cardiovascular disease detection model has been built using no of ML classification modelling techniques. </a:t>
             </a:r>
-            <a:r>
-              <a:rPr lang="en-US" sz="2000">
-                <a:solidFill>
-                  <a:schemeClr val="bg1"/>
-                </a:solidFill>
-                <a:latin typeface="Bahnschrift Condensed" panose="020B0502040204020203" pitchFamily="34" charset="0"/>
-              </a:rPr>
-              <a:t>. </a:t>
-            </a:r>
-            <a:endParaRPr lang="en-US" sz="2000" dirty="0">
-              <a:solidFill>
-                <a:schemeClr val="bg1"/>
-              </a:solidFill>
-              <a:latin typeface="Bahnschrift Condensed" panose="020B0502040204020203" pitchFamily="34" charset="0"/>
-            </a:endParaRPr>
           </a:p>
           <a:p>
             <a:pPr marL="114300" indent="0">
@@ -11234,7 +11245,7 @@
                 </a:solidFill>
                 <a:latin typeface="Bahnschrift Condensed" panose="020B0502040204020203" pitchFamily="34" charset="0"/>
               </a:rPr>
-              <a:t>The best accuracy we have got is for the </a:t>
+              <a:t>The top three models with best accuracy are Gradient boost, Random forest &amp; </a:t>
             </a:r>
             <a:r>
               <a:rPr lang="en-US" sz="2000" dirty="0" err="1">
@@ -11243,7 +11254,7 @@
                 </a:solidFill>
                 <a:latin typeface="Bahnschrift Condensed" panose="020B0502040204020203" pitchFamily="34" charset="0"/>
               </a:rPr>
-              <a:t>XGboost</a:t>
+              <a:t>Xgboost</a:t>
             </a:r>
             <a:r>
               <a:rPr lang="en-US" sz="2000" dirty="0">
@@ -11252,7 +11263,7 @@
                 </a:solidFill>
                 <a:latin typeface="Bahnschrift Condensed" panose="020B0502040204020203" pitchFamily="34" charset="0"/>
               </a:rPr>
-              <a:t> model which is 97%.</a:t>
+              <a:t> with accuracy of  87%, 89%,and 97% respectively.</a:t>
             </a:r>
           </a:p>
           <a:p>
@@ -11281,6 +11292,17 @@
             <a:pPr marL="114300" indent="0">
               <a:buNone/>
             </a:pPr>
+            <a:endParaRPr lang="en-US" sz="2000" dirty="0">
+              <a:solidFill>
+                <a:schemeClr val="bg1"/>
+              </a:solidFill>
+              <a:latin typeface="Bahnschrift Condensed" panose="020B0502040204020203" pitchFamily="34" charset="0"/>
+            </a:endParaRPr>
+          </a:p>
+          <a:p>
+            <a:pPr marL="114300" indent="0">
+              <a:buNone/>
+            </a:pPr>
             <a:endParaRPr lang="en-IN" sz="2000" dirty="0">
               <a:solidFill>
                 <a:schemeClr val="bg1"/>
@@ -11290,6 +11312,60 @@
           </a:p>
         </p:txBody>
       </p:sp>
+      <p:pic>
+        <p:nvPicPr>
+          <p:cNvPr id="5" name="Picture 4">
+            <a:extLst>
+              <a:ext uri="{FF2B5EF4-FFF2-40B4-BE49-F238E27FC236}">
+                <a16:creationId xmlns:a16="http://schemas.microsoft.com/office/drawing/2014/main" id="{411E38F5-63A3-471A-806D-460702A8E980}"/>
+              </a:ext>
+            </a:extLst>
+          </p:cNvPr>
+          <p:cNvPicPr>
+            <a:picLocks noChangeAspect="1"/>
+          </p:cNvPicPr>
+          <p:nvPr/>
+        </p:nvPicPr>
+        <p:blipFill>
+          <a:blip r:embed="rId2"/>
+          <a:stretch>
+            <a:fillRect/>
+          </a:stretch>
+        </p:blipFill>
+        <p:spPr>
+          <a:xfrm>
+            <a:off x="6317672" y="4299947"/>
+            <a:ext cx="2099160" cy="730789"/>
+          </a:xfrm>
+          <a:prstGeom prst="roundRect">
+            <a:avLst>
+              <a:gd name="adj" fmla="val 16667"/>
+            </a:avLst>
+          </a:prstGeom>
+          <a:ln>
+            <a:noFill/>
+          </a:ln>
+          <a:effectLst>
+            <a:outerShdw blurRad="152400" dist="12000" dir="900000" sy="98000" kx="110000" ky="200000" algn="tl" rotWithShape="0">
+              <a:srgbClr val="000000">
+                <a:alpha val="30000"/>
+              </a:srgbClr>
+            </a:outerShdw>
+          </a:effectLst>
+          <a:scene3d>
+            <a:camera prst="perspectiveRelaxed">
+              <a:rot lat="19800000" lon="1200000" rev="20820000"/>
+            </a:camera>
+            <a:lightRig rig="threePt" dir="t"/>
+          </a:scene3d>
+          <a:sp3d contourW="6350" prstMaterial="matte">
+            <a:bevelT w="101600" h="101600"/>
+            <a:contourClr>
+              <a:srgbClr val="969696"/>
+            </a:contourClr>
+          </a:sp3d>
+        </p:spPr>
+      </p:pic>
     </p:spTree>
     <p:extLst>
       <p:ext uri="{BB962C8B-B14F-4D97-AF65-F5344CB8AC3E}">
@@ -11556,13 +11632,71 @@
           <a:bodyPr/>
           <a:lstStyle/>
           <a:p>
-            <a:pPr algn="just" rtl="0">
-              <a:spcBef>
-                <a:spcPts val="0"/>
-              </a:spcBef>
-              <a:spcAft>
-                <a:spcPts val="0"/>
-              </a:spcAft>
+            <a:pPr marL="114300" indent="0" algn="just" rtl="0">
+              <a:spcBef>
+                <a:spcPts val="0"/>
+              </a:spcBef>
+              <a:spcAft>
+                <a:spcPts val="0"/>
+              </a:spcAft>
+              <a:buNone/>
+            </a:pPr>
+            <a:r>
+              <a:rPr lang="en-US" sz="2000" dirty="0">
+                <a:solidFill>
+                  <a:schemeClr val="accent5">
+                    <a:lumMod val="50000"/>
+                  </a:schemeClr>
+                </a:solidFill>
+                <a:latin typeface="Bahnschrift Condensed" panose="020B0502040204020203" pitchFamily="34" charset="0"/>
+              </a:rPr>
+              <a:t>And to conclude we started </a:t>
+            </a:r>
+            <a:r>
+              <a:rPr lang="en-US" sz="2000" b="0" i="0" u="none" strike="noStrike" dirty="0">
+                <a:solidFill>
+                  <a:schemeClr val="accent5">
+                    <a:lumMod val="50000"/>
+                  </a:schemeClr>
+                </a:solidFill>
+                <a:effectLst/>
+                <a:latin typeface="Bahnschrift Condensed" panose="020B0502040204020203" pitchFamily="34" charset="0"/>
+              </a:rPr>
+              <a:t>with loading the data. </a:t>
+            </a:r>
+            <a:r>
+              <a:rPr lang="en-US" sz="2000" dirty="0">
+                <a:solidFill>
+                  <a:schemeClr val="accent5">
+                    <a:lumMod val="50000"/>
+                  </a:schemeClr>
+                </a:solidFill>
+                <a:latin typeface="Bahnschrift Condensed" panose="020B0502040204020203" pitchFamily="34" charset="0"/>
+              </a:rPr>
+              <a:t>S</a:t>
+            </a:r>
+            <a:r>
+              <a:rPr lang="en-US" sz="2000" b="0" i="0" u="none" strike="noStrike" dirty="0">
+                <a:solidFill>
+                  <a:schemeClr val="accent5">
+                    <a:lumMod val="50000"/>
+                  </a:schemeClr>
+                </a:solidFill>
+                <a:effectLst/>
+                <a:latin typeface="Bahnschrift Condensed" panose="020B0502040204020203" pitchFamily="34" charset="0"/>
+              </a:rPr>
+              <a:t>o far we have done EDA , null values treatment, encoding of categorical columns, feature selection and then model building.</a:t>
+            </a:r>
+          </a:p>
+          <a:p>
+            <a:pPr marL="114300" indent="0" algn="just" rtl="0">
+              <a:spcBef>
+                <a:spcPts val="0"/>
+              </a:spcBef>
+              <a:spcAft>
+                <a:spcPts val="0"/>
+              </a:spcAft>
+              <a:buNone/>
             </a:pPr>
             <a:r>
               <a:rPr lang="en-US" sz="2000" b="0" i="0" u="none" strike="noStrike" dirty="0">
@@ -11574,26 +11708,41 @@
                 <a:effectLst/>
                 <a:latin typeface="Bahnschrift Condensed" panose="020B0502040204020203" pitchFamily="34" charset="0"/>
               </a:rPr>
-              <a:t>That's it! We reached here at the end of our exercise.</a:t>
+              <a:t>In all of these models our accuracy revolves in the range of </a:t>
             </a:r>
-            <a:endParaRPr lang="en-US" sz="2000" b="0" dirty="0">
-              <a:solidFill>
-                <a:schemeClr val="accent5">
-                  <a:lumMod val="50000"/>
-                </a:schemeClr>
-              </a:solidFill>
-              <a:effectLst/>
-              <a:latin typeface="Bahnschrift Condensed" panose="020B0502040204020203" pitchFamily="34" charset="0"/>
-            </a:endParaRPr>
+            <a:r>
+              <a:rPr lang="en-US" sz="2000" dirty="0">
+                <a:solidFill>
+                  <a:schemeClr val="accent5">
+                    <a:lumMod val="50000"/>
+                  </a:schemeClr>
+                </a:solidFill>
+                <a:latin typeface="Bahnschrift Condensed" panose="020B0502040204020203" pitchFamily="34" charset="0"/>
+              </a:rPr>
+              <a:t>75</a:t>
+            </a:r>
+            <a:r>
+              <a:rPr lang="en-US" sz="2000" b="0" i="0" u="none" strike="noStrike" dirty="0">
+                <a:solidFill>
+                  <a:schemeClr val="accent5">
+                    <a:lumMod val="50000"/>
+                  </a:schemeClr>
+                </a:solidFill>
+                <a:effectLst/>
+                <a:latin typeface="Bahnschrift Condensed" panose="020B0502040204020203" pitchFamily="34" charset="0"/>
+              </a:rPr>
+              <a:t> to 97%. And there is no such improvement in accuracy score even after hyperparameter tuning.</a:t>
+            </a:r>
           </a:p>
           <a:p>
-            <a:pPr algn="just" rtl="0">
-              <a:spcBef>
-                <a:spcPts val="0"/>
-              </a:spcBef>
-              <a:spcAft>
-                <a:spcPts val="0"/>
-              </a:spcAft>
+            <a:pPr marL="114300" indent="0" algn="just" rtl="0">
+              <a:spcBef>
+                <a:spcPts val="0"/>
+              </a:spcBef>
+              <a:spcAft>
+                <a:spcPts val="0"/>
+              </a:spcAft>
+              <a:buNone/>
             </a:pPr>
             <a:r>
               <a:rPr lang="en-US" sz="2000" b="0" i="0" u="none" strike="noStrike" dirty="0">
@@ -11605,36 +11754,66 @@
                 <a:effectLst/>
                 <a:latin typeface="Bahnschrift Condensed" panose="020B0502040204020203" pitchFamily="34" charset="0"/>
               </a:rPr>
-              <a:t>Starting with loading the data so far we have done EDA , null values treatment, encoding of categorical columns, feature selection and then model building.</a:t>
+              <a:t>Also it is concluded that accuracy of </a:t>
+            </a:r>
+            <a:r>
+              <a:rPr lang="en-US" sz="2000" b="0" i="0" u="none" strike="noStrike" dirty="0" err="1">
+                <a:solidFill>
+                  <a:schemeClr val="accent5">
+                    <a:lumMod val="50000"/>
+                  </a:schemeClr>
+                </a:solidFill>
+                <a:effectLst/>
+                <a:latin typeface="Bahnschrift Condensed" panose="020B0502040204020203" pitchFamily="34" charset="0"/>
+              </a:rPr>
+              <a:t>Xgboost</a:t>
+            </a:r>
+            <a:r>
+              <a:rPr lang="en-US" sz="2000" b="0" i="0" u="none" strike="noStrike" dirty="0">
+                <a:solidFill>
+                  <a:schemeClr val="accent5">
+                    <a:lumMod val="50000"/>
+                  </a:schemeClr>
+                </a:solidFill>
+                <a:effectLst/>
+                <a:latin typeface="Bahnschrift Condensed" panose="020B0502040204020203" pitchFamily="34" charset="0"/>
+              </a:rPr>
+              <a:t> is highest as compared to all the algorithms used </a:t>
+            </a:r>
+            <a:r>
+              <a:rPr lang="en-US" sz="2000" b="0" i="0" u="none" strike="noStrike" dirty="0" err="1">
+                <a:solidFill>
+                  <a:schemeClr val="accent5">
+                    <a:lumMod val="50000"/>
+                  </a:schemeClr>
+                </a:solidFill>
+                <a:effectLst/>
+                <a:latin typeface="Bahnschrift Condensed" panose="020B0502040204020203" pitchFamily="34" charset="0"/>
+              </a:rPr>
+              <a:t>i.e</a:t>
+            </a:r>
+            <a:r>
+              <a:rPr lang="en-US" sz="2000" b="0" i="0" u="none" strike="noStrike" dirty="0">
+                <a:solidFill>
+                  <a:schemeClr val="accent5">
+                    <a:lumMod val="50000"/>
+                  </a:schemeClr>
+                </a:solidFill>
+                <a:effectLst/>
+                <a:latin typeface="Bahnschrift Condensed" panose="020B0502040204020203" pitchFamily="34" charset="0"/>
+              </a:rPr>
+              <a:t> 97%.</a:t>
             </a:r>
           </a:p>
           <a:p>
-            <a:pPr algn="just" rtl="0">
-              <a:spcBef>
-                <a:spcPts val="0"/>
-              </a:spcBef>
-              <a:spcAft>
-                <a:spcPts val="0"/>
-              </a:spcAft>
-            </a:pPr>
-            <a:endParaRPr lang="en-US" sz="2000" b="0" dirty="0">
-              <a:solidFill>
-                <a:schemeClr val="accent5">
-                  <a:lumMod val="50000"/>
-                </a:schemeClr>
-              </a:solidFill>
-              <a:effectLst/>
-              <a:latin typeface="Bahnschrift Condensed" panose="020B0502040204020203" pitchFamily="34" charset="0"/>
-            </a:endParaRPr>
-          </a:p>
-          <a:p>
-            <a:pPr algn="just" rtl="0">
-              <a:spcBef>
-                <a:spcPts val="0"/>
-              </a:spcBef>
-              <a:spcAft>
-                <a:spcPts val="0"/>
-              </a:spcAft>
+            <a:pPr marL="114300" indent="0" algn="just" rtl="0">
+              <a:spcBef>
+                <a:spcPts val="0"/>
+              </a:spcBef>
+              <a:spcAft>
+                <a:spcPts val="0"/>
+              </a:spcAft>
+              <a:buNone/>
             </a:pPr>
             <a:r>
               <a:rPr lang="en-US" sz="2000" b="0" i="0" u="none" strike="noStrike" dirty="0">
@@ -11646,109 +11825,30 @@
                 <a:effectLst/>
                 <a:latin typeface="Bahnschrift Condensed" panose="020B0502040204020203" pitchFamily="34" charset="0"/>
               </a:rPr>
-              <a:t>In all of these models our accuracy revolves in the range of 66 to 91%.</a:t>
+              <a:t>This performance could be due to various reasons like: No proper pattern of data, </a:t>
             </a:r>
-            <a:endParaRPr lang="en-US" sz="2000" b="0" dirty="0">
-              <a:solidFill>
-                <a:schemeClr val="accent5">
-                  <a:lumMod val="50000"/>
-                </a:schemeClr>
-              </a:solidFill>
-              <a:effectLst/>
-              <a:latin typeface="Bahnschrift Condensed" panose="020B0502040204020203" pitchFamily="34" charset="0"/>
-            </a:endParaRPr>
-          </a:p>
-          <a:p>
-            <a:pPr algn="just" rtl="0">
-              <a:spcBef>
-                <a:spcPts val="0"/>
-              </a:spcBef>
-              <a:spcAft>
-                <a:spcPts val="0"/>
-              </a:spcAft>
-            </a:pPr>
             <a:r>
-              <a:rPr lang="en-US" sz="2000" b="0" i="0" u="none" strike="noStrike" dirty="0">
+              <a:rPr lang="en-US" sz="2000" dirty="0">
                 <a:solidFill>
                   <a:schemeClr val="accent5">
                     <a:lumMod val="50000"/>
                   </a:schemeClr>
                 </a:solidFill>
+                <a:latin typeface="Bahnschrift Condensed" panose="020B0502040204020203" pitchFamily="34" charset="0"/>
+              </a:rPr>
+              <a:t>lack of </a:t>
+            </a:r>
+            <a:r>
+              <a:rPr lang="en-US" sz="2000" b="0" i="0" u="none" strike="noStrike" dirty="0">
+                <a:solidFill>
+                  <a:schemeClr val="accent5">
+                    <a:lumMod val="50000"/>
+                  </a:schemeClr>
+                </a:solidFill>
                 <a:effectLst/>
                 <a:latin typeface="Bahnschrift Condensed" panose="020B0502040204020203" pitchFamily="34" charset="0"/>
               </a:rPr>
-              <a:t>And there is no such improvement in accuracy score even after hyperparameter tuning.</a:t>
-            </a:r>
-            <a:endParaRPr lang="en-US" sz="2000" b="0" dirty="0">
-              <a:solidFill>
-                <a:schemeClr val="accent5">
-                  <a:lumMod val="50000"/>
-                </a:schemeClr>
-              </a:solidFill>
-              <a:effectLst/>
-              <a:latin typeface="Bahnschrift Condensed" panose="020B0502040204020203" pitchFamily="34" charset="0"/>
-            </a:endParaRPr>
-          </a:p>
-          <a:p>
-            <a:pPr algn="just" rtl="0">
-              <a:spcBef>
-                <a:spcPts val="0"/>
-              </a:spcBef>
-              <a:spcAft>
-                <a:spcPts val="0"/>
-              </a:spcAft>
-            </a:pPr>
-            <a:r>
-              <a:rPr lang="en-US" sz="2000" b="0" i="0" u="none" strike="noStrike" dirty="0">
-                <a:solidFill>
-                  <a:schemeClr val="accent5">
-                    <a:lumMod val="50000"/>
-                  </a:schemeClr>
-                </a:solidFill>
-                <a:effectLst/>
-                <a:latin typeface="Bahnschrift Condensed" panose="020B0502040204020203" pitchFamily="34" charset="0"/>
-              </a:rPr>
-              <a:t>So the accuracy of our best model is 91% which can be said to be good for this large dataset.</a:t>
-            </a:r>
-          </a:p>
-          <a:p>
-            <a:pPr algn="just" rtl="0">
-              <a:spcBef>
-                <a:spcPts val="0"/>
-              </a:spcBef>
-              <a:spcAft>
-                <a:spcPts val="0"/>
-              </a:spcAft>
-            </a:pPr>
-            <a:endParaRPr lang="en-US" sz="2000" dirty="0">
-              <a:solidFill>
-                <a:schemeClr val="accent5">
-                  <a:lumMod val="50000"/>
-                </a:schemeClr>
-              </a:solidFill>
-              <a:latin typeface="Bahnschrift Condensed" panose="020B0502040204020203" pitchFamily="34" charset="0"/>
-            </a:endParaRPr>
-          </a:p>
-          <a:p>
-            <a:pPr algn="just" rtl="0">
-              <a:spcBef>
-                <a:spcPts val="0"/>
-              </a:spcBef>
-              <a:spcAft>
-                <a:spcPts val="0"/>
-              </a:spcAft>
-            </a:pPr>
-            <a:r>
-              <a:rPr lang="en-US" sz="2000" b="0" i="0" u="none" strike="noStrike" dirty="0">
-                <a:solidFill>
-                  <a:schemeClr val="accent5">
-                    <a:lumMod val="50000"/>
-                  </a:schemeClr>
-                </a:solidFill>
-                <a:effectLst/>
-                <a:latin typeface="Bahnschrift Condensed" panose="020B0502040204020203" pitchFamily="34" charset="0"/>
-              </a:rPr>
-              <a:t>This performance could be due to various reasons like: no proper pattern of data, too much data, not enough relevant features but maybe with enough data we can train out model even better.</a:t>
+              <a:t> data, not enough relevant features but maybe with enough data we can train our model even better.</a:t>
             </a:r>
             <a:endParaRPr lang="en-US" sz="2000" b="0" dirty="0">
               <a:solidFill>
@@ -11798,12 +11898,12 @@
         </p:blipFill>
         <p:spPr>
           <a:xfrm>
-            <a:off x="6317672" y="4299947"/>
-            <a:ext cx="2099160" cy="730789"/>
+            <a:off x="6646439" y="4081085"/>
+            <a:ext cx="1795139" cy="624949"/>
           </a:xfrm>
           <a:prstGeom prst="roundRect">
             <a:avLst>
-              <a:gd name="adj" fmla="val 16667"/>
+              <a:gd name="adj" fmla="val 45990"/>
             </a:avLst>
           </a:prstGeom>
           <a:ln>
